--- a/src/DOC/task01/CS1_task01_First-Analysis-v2.pptx
+++ b/src/DOC/task01/CS1_task01_First-Analysis-v2.pptx
@@ -203,7 +203,7 @@
           <a:p>
             <a:fld id="{C54E1F90-0B2A-405E-BC64-B04AB38A28DD}" type="datetimeFigureOut">
               <a:rPr lang="de-CH" smtClean="0"/>
-              <a:t>02.03.2017</a:t>
+              <a:t>03.03.2017</a:t>
             </a:fld>
             <a:endParaRPr lang="de-CH"/>
           </a:p>
@@ -267,35 +267,35 @@
           <a:p>
             <a:pPr lvl="0"/>
             <a:r>
-              <a:rPr lang="en-US" smtClean="0"/>
+              <a:rPr lang="en-US"/>
               <a:t>Click to edit Master text styles</a:t>
             </a:r>
           </a:p>
           <a:p>
             <a:pPr lvl="1"/>
             <a:r>
-              <a:rPr lang="en-US" smtClean="0"/>
+              <a:rPr lang="en-US"/>
               <a:t>Second level</a:t>
             </a:r>
           </a:p>
           <a:p>
             <a:pPr lvl="2"/>
             <a:r>
-              <a:rPr lang="en-US" smtClean="0"/>
+              <a:rPr lang="en-US"/>
               <a:t>Third level</a:t>
             </a:r>
           </a:p>
           <a:p>
             <a:pPr lvl="3"/>
             <a:r>
-              <a:rPr lang="en-US" smtClean="0"/>
+              <a:rPr lang="en-US"/>
               <a:t>Fourth level</a:t>
             </a:r>
           </a:p>
           <a:p>
             <a:pPr lvl="4"/>
             <a:r>
-              <a:rPr lang="en-US" smtClean="0"/>
+              <a:rPr lang="en-US"/>
               <a:t>Fifth level</a:t>
             </a:r>
             <a:endParaRPr lang="de-CH"/>
@@ -631,7 +631,7 @@
           </a:lstStyle>
           <a:p>
             <a:r>
-              <a:rPr lang="en-US" smtClean="0"/>
+              <a:rPr lang="en-US"/>
               <a:t>Click to edit Master title style</a:t>
             </a:r>
             <a:endParaRPr lang="en-US" dirty="0"/>
@@ -727,7 +727,7 @@
           </a:lstStyle>
           <a:p>
             <a:r>
-              <a:rPr lang="en-US" smtClean="0"/>
+              <a:rPr lang="en-US"/>
               <a:t>Click to edit Master subtitle style</a:t>
             </a:r>
             <a:endParaRPr lang="en-US" dirty="0"/>
@@ -751,7 +751,7 @@
           <a:p>
             <a:fld id="{7FDBC39C-A1E5-4D24-8C6C-5C341476914B}" type="datetime1">
               <a:rPr lang="en-US" smtClean="0"/>
-              <a:t>3/2/2017</a:t>
+              <a:t>3/3/2017</a:t>
             </a:fld>
             <a:endParaRPr lang="en-US" dirty="0"/>
           </a:p>
@@ -850,7 +850,7 @@
           </a:lstStyle>
           <a:p>
             <a:r>
-              <a:rPr lang="en-US" smtClean="0"/>
+              <a:rPr lang="en-US"/>
               <a:t>Click to edit Master title style</a:t>
             </a:r>
             <a:endParaRPr lang="en-US" dirty="0"/>
@@ -915,7 +915,7 @@
           </a:lstStyle>
           <a:p>
             <a:r>
-              <a:rPr lang="en-US" smtClean="0"/>
+              <a:rPr lang="en-US"/>
               <a:t>Click icon to add picture</a:t>
             </a:r>
             <a:endParaRPr lang="en-US" dirty="0"/>
@@ -1005,7 +1005,7 @@
           <a:p>
             <a:pPr lvl="0"/>
             <a:r>
-              <a:rPr lang="en-US" smtClean="0"/>
+              <a:rPr lang="en-US"/>
               <a:t>Click to edit Master text styles</a:t>
             </a:r>
           </a:p>
@@ -1028,7 +1028,7 @@
           <a:p>
             <a:fld id="{E4660F96-1EC4-44DE-B158-23B11D755B83}" type="datetime1">
               <a:rPr lang="en-US" smtClean="0"/>
-              <a:t>3/2/2017</a:t>
+              <a:t>3/3/2017</a:t>
             </a:fld>
             <a:endParaRPr lang="en-US" dirty="0"/>
           </a:p>
@@ -1126,7 +1126,7 @@
           </a:lstStyle>
           <a:p>
             <a:r>
-              <a:rPr lang="en-US" smtClean="0"/>
+              <a:rPr lang="en-US"/>
               <a:t>Click to edit Master title style</a:t>
             </a:r>
             <a:endParaRPr lang="en-US" dirty="0"/>
@@ -1192,7 +1192,7 @@
           <a:p>
             <a:pPr lvl="0"/>
             <a:r>
-              <a:rPr lang="en-US" smtClean="0"/>
+              <a:rPr lang="en-US"/>
               <a:t>Click to edit Master text styles</a:t>
             </a:r>
           </a:p>
@@ -1215,7 +1215,7 @@
           <a:p>
             <a:fld id="{415820C1-173B-4A8B-8A44-F6B9F92963B8}" type="datetime1">
               <a:rPr lang="en-US" smtClean="0"/>
-              <a:t>3/2/2017</a:t>
+              <a:t>3/3/2017</a:t>
             </a:fld>
             <a:endParaRPr lang="en-US" dirty="0"/>
           </a:p>
@@ -1313,7 +1313,7 @@
           </a:lstStyle>
           <a:p>
             <a:r>
-              <a:rPr lang="en-US" smtClean="0"/>
+              <a:rPr lang="en-US"/>
               <a:t>Click to edit Master title style</a:t>
             </a:r>
             <a:endParaRPr lang="en-US" dirty="0"/>
@@ -1381,7 +1381,7 @@
           <a:p>
             <a:pPr lvl="0"/>
             <a:r>
-              <a:rPr lang="en-US" smtClean="0"/>
+              <a:rPr lang="en-US"/>
               <a:t>Click to edit Master text styles</a:t>
             </a:r>
           </a:p>
@@ -1448,7 +1448,7 @@
           <a:p>
             <a:pPr lvl="0"/>
             <a:r>
-              <a:rPr lang="en-US" smtClean="0"/>
+              <a:rPr lang="en-US"/>
               <a:t>Click to edit Master text styles</a:t>
             </a:r>
           </a:p>
@@ -1471,7 +1471,7 @@
           <a:p>
             <a:fld id="{DFEB9E69-2F7B-4EB5-8ADB-8767EAF9A954}" type="datetime1">
               <a:rPr lang="en-US" smtClean="0"/>
-              <a:t>3/2/2017</a:t>
+              <a:t>3/3/2017</a:t>
             </a:fld>
             <a:endParaRPr lang="en-US" dirty="0"/>
           </a:p>
@@ -1803,7 +1803,7 @@
           </a:lstStyle>
           <a:p>
             <a:r>
-              <a:rPr lang="en-US" smtClean="0"/>
+              <a:rPr lang="en-US"/>
               <a:t>Click to edit Master title style</a:t>
             </a:r>
             <a:endParaRPr lang="en-US" dirty="0"/>
@@ -1869,7 +1869,7 @@
           <a:p>
             <a:pPr lvl="0"/>
             <a:r>
-              <a:rPr lang="en-US" smtClean="0"/>
+              <a:rPr lang="en-US"/>
               <a:t>Click to edit Master text styles</a:t>
             </a:r>
           </a:p>
@@ -1892,7 +1892,7 @@
           <a:p>
             <a:fld id="{0A5E30C6-5DDC-4921-A6B3-B3334A19F88E}" type="datetime1">
               <a:rPr lang="en-US" smtClean="0"/>
-              <a:t>3/2/2017</a:t>
+              <a:t>3/3/2017</a:t>
             </a:fld>
             <a:endParaRPr lang="en-US" dirty="0"/>
           </a:p>
@@ -1986,7 +1986,7 @@
           <a:lstStyle/>
           <a:p>
             <a:r>
-              <a:rPr lang="en-US" smtClean="0"/>
+              <a:rPr lang="en-US"/>
               <a:t>Click to edit Master title style</a:t>
             </a:r>
             <a:endParaRPr lang="en-US" dirty="0"/>
@@ -2081,7 +2081,7 @@
           <a:p>
             <a:pPr lvl="0"/>
             <a:r>
-              <a:rPr lang="en-US" smtClean="0"/>
+              <a:rPr lang="en-US"/>
               <a:t>Click to edit Master text styles</a:t>
             </a:r>
           </a:p>
@@ -2148,7 +2148,7 @@
           <a:p>
             <a:pPr lvl="0"/>
             <a:r>
-              <a:rPr lang="en-US" smtClean="0"/>
+              <a:rPr lang="en-US"/>
               <a:t>Click to edit Master text styles</a:t>
             </a:r>
           </a:p>
@@ -2212,7 +2212,7 @@
               <a:buNone/>
             </a:pPr>
             <a:r>
-              <a:rPr lang="en-US" smtClean="0"/>
+              <a:rPr lang="en-US"/>
               <a:t>Click to edit Master text styles</a:t>
             </a:r>
           </a:p>
@@ -2279,7 +2279,7 @@
           <a:p>
             <a:pPr lvl="0"/>
             <a:r>
-              <a:rPr lang="en-US" smtClean="0"/>
+              <a:rPr lang="en-US"/>
               <a:t>Click to edit Master text styles</a:t>
             </a:r>
           </a:p>
@@ -2343,7 +2343,7 @@
               <a:buNone/>
             </a:pPr>
             <a:r>
-              <a:rPr lang="en-US" smtClean="0"/>
+              <a:rPr lang="en-US"/>
               <a:t>Click to edit Master text styles</a:t>
             </a:r>
           </a:p>
@@ -2410,7 +2410,7 @@
           <a:p>
             <a:pPr lvl="0"/>
             <a:r>
-              <a:rPr lang="en-US" smtClean="0"/>
+              <a:rPr lang="en-US"/>
               <a:t>Click to edit Master text styles</a:t>
             </a:r>
           </a:p>
@@ -2433,7 +2433,7 @@
           <a:p>
             <a:fld id="{60440917-B777-44C8-88D5-73A96257DCB6}" type="datetime1">
               <a:rPr lang="en-US" smtClean="0"/>
-              <a:t>3/2/2017</a:t>
+              <a:t>3/3/2017</a:t>
             </a:fld>
             <a:endParaRPr lang="en-US" dirty="0"/>
           </a:p>
@@ -2527,7 +2527,7 @@
           <a:lstStyle/>
           <a:p>
             <a:r>
-              <a:rPr lang="en-US" smtClean="0"/>
+              <a:rPr lang="en-US"/>
               <a:t>Click to edit Master title style</a:t>
             </a:r>
             <a:endParaRPr lang="en-US" dirty="0"/>
@@ -2618,7 +2618,7 @@
           <a:p>
             <a:pPr lvl="0"/>
             <a:r>
-              <a:rPr lang="en-US" smtClean="0"/>
+              <a:rPr lang="en-US"/>
               <a:t>Click to edit Master text styles</a:t>
             </a:r>
           </a:p>
@@ -2696,7 +2696,7 @@
           </a:lstStyle>
           <a:p>
             <a:r>
-              <a:rPr lang="en-US" smtClean="0"/>
+              <a:rPr lang="en-US"/>
               <a:t>Click icon to add picture</a:t>
             </a:r>
             <a:endParaRPr lang="en-US" dirty="0"/>
@@ -2764,7 +2764,7 @@
           <a:p>
             <a:pPr lvl="0"/>
             <a:r>
-              <a:rPr lang="en-US" smtClean="0"/>
+              <a:rPr lang="en-US"/>
               <a:t>Click to edit Master text styles</a:t>
             </a:r>
           </a:p>
@@ -2854,7 +2854,7 @@
           <a:p>
             <a:pPr lvl="0"/>
             <a:r>
-              <a:rPr lang="en-US" smtClean="0"/>
+              <a:rPr lang="en-US"/>
               <a:t>Click to edit Master text styles</a:t>
             </a:r>
           </a:p>
@@ -2932,7 +2932,7 @@
           </a:lstStyle>
           <a:p>
             <a:r>
-              <a:rPr lang="en-US" smtClean="0"/>
+              <a:rPr lang="en-US"/>
               <a:t>Click icon to add picture</a:t>
             </a:r>
             <a:endParaRPr lang="en-US" dirty="0"/>
@@ -3000,7 +3000,7 @@
           <a:p>
             <a:pPr lvl="0"/>
             <a:r>
-              <a:rPr lang="en-US" smtClean="0"/>
+              <a:rPr lang="en-US"/>
               <a:t>Click to edit Master text styles</a:t>
             </a:r>
           </a:p>
@@ -3090,7 +3090,7 @@
           <a:p>
             <a:pPr lvl="0"/>
             <a:r>
-              <a:rPr lang="en-US" smtClean="0"/>
+              <a:rPr lang="en-US"/>
               <a:t>Click to edit Master text styles</a:t>
             </a:r>
           </a:p>
@@ -3168,7 +3168,7 @@
           </a:lstStyle>
           <a:p>
             <a:r>
-              <a:rPr lang="en-US" smtClean="0"/>
+              <a:rPr lang="en-US"/>
               <a:t>Click icon to add picture</a:t>
             </a:r>
             <a:endParaRPr lang="en-US" dirty="0"/>
@@ -3236,7 +3236,7 @@
           <a:p>
             <a:pPr lvl="0"/>
             <a:r>
-              <a:rPr lang="en-US" smtClean="0"/>
+              <a:rPr lang="en-US"/>
               <a:t>Click to edit Master text styles</a:t>
             </a:r>
           </a:p>
@@ -3259,7 +3259,7 @@
           <a:p>
             <a:fld id="{3A4AA19D-FBFE-469F-A497-EB8D578A4176}" type="datetime1">
               <a:rPr lang="en-US" smtClean="0"/>
-              <a:t>3/2/2017</a:t>
+              <a:t>3/3/2017</a:t>
             </a:fld>
             <a:endParaRPr lang="en-US" dirty="0"/>
           </a:p>
@@ -3348,7 +3348,7 @@
           <a:lstStyle/>
           <a:p>
             <a:r>
-              <a:rPr lang="en-US" smtClean="0"/>
+              <a:rPr lang="en-US"/>
               <a:t>Click to edit Master title style</a:t>
             </a:r>
             <a:endParaRPr lang="en-US" dirty="0"/>
@@ -3372,35 +3372,35 @@
           <a:p>
             <a:pPr lvl="0"/>
             <a:r>
-              <a:rPr lang="en-US" smtClean="0"/>
+              <a:rPr lang="en-US"/>
               <a:t>Click to edit Master text styles</a:t>
             </a:r>
           </a:p>
           <a:p>
             <a:pPr lvl="1"/>
             <a:r>
-              <a:rPr lang="en-US" smtClean="0"/>
+              <a:rPr lang="en-US"/>
               <a:t>Second level</a:t>
             </a:r>
           </a:p>
           <a:p>
             <a:pPr lvl="2"/>
             <a:r>
-              <a:rPr lang="en-US" smtClean="0"/>
+              <a:rPr lang="en-US"/>
               <a:t>Third level</a:t>
             </a:r>
           </a:p>
           <a:p>
             <a:pPr lvl="3"/>
             <a:r>
-              <a:rPr lang="en-US" smtClean="0"/>
+              <a:rPr lang="en-US"/>
               <a:t>Fourth level</a:t>
             </a:r>
           </a:p>
           <a:p>
             <a:pPr lvl="4"/>
             <a:r>
-              <a:rPr lang="en-US" smtClean="0"/>
+              <a:rPr lang="en-US"/>
               <a:t>Fifth level</a:t>
             </a:r>
             <a:endParaRPr lang="en-US" dirty="0"/>
@@ -3424,7 +3424,7 @@
           <a:p>
             <a:fld id="{534B83B0-8766-4284-93F8-8DEDB575D96D}" type="datetime1">
               <a:rPr lang="en-US" smtClean="0"/>
-              <a:t>3/2/2017</a:t>
+              <a:t>3/3/2017</a:t>
             </a:fld>
             <a:endParaRPr lang="en-US" dirty="0"/>
           </a:p>
@@ -3518,7 +3518,7 @@
           <a:lstStyle/>
           <a:p>
             <a:r>
-              <a:rPr lang="en-US" smtClean="0"/>
+              <a:rPr lang="en-US"/>
               <a:t>Click to edit Master title style</a:t>
             </a:r>
             <a:endParaRPr lang="en-US" dirty="0"/>
@@ -3547,35 +3547,35 @@
           <a:p>
             <a:pPr lvl="0"/>
             <a:r>
-              <a:rPr lang="en-US" smtClean="0"/>
+              <a:rPr lang="en-US"/>
               <a:t>Click to edit Master text styles</a:t>
             </a:r>
           </a:p>
           <a:p>
             <a:pPr lvl="1"/>
             <a:r>
-              <a:rPr lang="en-US" smtClean="0"/>
+              <a:rPr lang="en-US"/>
               <a:t>Second level</a:t>
             </a:r>
           </a:p>
           <a:p>
             <a:pPr lvl="2"/>
             <a:r>
-              <a:rPr lang="en-US" smtClean="0"/>
+              <a:rPr lang="en-US"/>
               <a:t>Third level</a:t>
             </a:r>
           </a:p>
           <a:p>
             <a:pPr lvl="3"/>
             <a:r>
-              <a:rPr lang="en-US" smtClean="0"/>
+              <a:rPr lang="en-US"/>
               <a:t>Fourth level</a:t>
             </a:r>
           </a:p>
           <a:p>
             <a:pPr lvl="4"/>
             <a:r>
-              <a:rPr lang="en-US" smtClean="0"/>
+              <a:rPr lang="en-US"/>
               <a:t>Fifth level</a:t>
             </a:r>
             <a:endParaRPr lang="en-US" dirty="0"/>
@@ -3599,7 +3599,7 @@
           <a:p>
             <a:fld id="{2EB01DB7-4322-498A-9776-F212F852534D}" type="datetime1">
               <a:rPr lang="en-US" smtClean="0"/>
-              <a:t>3/2/2017</a:t>
+              <a:t>3/3/2017</a:t>
             </a:fld>
             <a:endParaRPr lang="en-US" dirty="0"/>
           </a:p>
@@ -3688,7 +3688,7 @@
           <a:lstStyle/>
           <a:p>
             <a:r>
-              <a:rPr lang="en-US" smtClean="0"/>
+              <a:rPr lang="en-US"/>
               <a:t>Click to edit Master title style</a:t>
             </a:r>
             <a:endParaRPr lang="en-US" dirty="0"/>
@@ -3712,35 +3712,35 @@
           <a:p>
             <a:pPr lvl="0"/>
             <a:r>
-              <a:rPr lang="en-US" smtClean="0"/>
+              <a:rPr lang="en-US"/>
               <a:t>Click to edit Master text styles</a:t>
             </a:r>
           </a:p>
           <a:p>
             <a:pPr lvl="1"/>
             <a:r>
-              <a:rPr lang="en-US" smtClean="0"/>
+              <a:rPr lang="en-US"/>
               <a:t>Second level</a:t>
             </a:r>
           </a:p>
           <a:p>
             <a:pPr lvl="2"/>
             <a:r>
-              <a:rPr lang="en-US" smtClean="0"/>
+              <a:rPr lang="en-US"/>
               <a:t>Third level</a:t>
             </a:r>
           </a:p>
           <a:p>
             <a:pPr lvl="3"/>
             <a:r>
-              <a:rPr lang="en-US" smtClean="0"/>
+              <a:rPr lang="en-US"/>
               <a:t>Fourth level</a:t>
             </a:r>
           </a:p>
           <a:p>
             <a:pPr lvl="4"/>
             <a:r>
-              <a:rPr lang="en-US" smtClean="0"/>
+              <a:rPr lang="en-US"/>
               <a:t>Fifth level</a:t>
             </a:r>
             <a:endParaRPr lang="en-US" dirty="0"/>
@@ -3764,7 +3764,7 @@
           <a:p>
             <a:fld id="{4871C3C9-E6E9-4D40-9ED1-F74873063093}" type="datetime1">
               <a:rPr lang="en-US" smtClean="0"/>
-              <a:t>3/2/2017</a:t>
+              <a:t>3/3/2017</a:t>
             </a:fld>
             <a:endParaRPr lang="en-US" dirty="0"/>
           </a:p>
@@ -3896,7 +3896,7 @@
           </a:lstStyle>
           <a:p>
             <a:r>
-              <a:rPr lang="en-US" smtClean="0"/>
+              <a:rPr lang="en-US"/>
               <a:t>Click to edit Master title style</a:t>
             </a:r>
             <a:endParaRPr lang="en-US" dirty="0"/>
@@ -3992,7 +3992,7 @@
           </a:lstStyle>
           <a:p>
             <a:r>
-              <a:rPr lang="en-US" smtClean="0"/>
+              <a:rPr lang="en-US"/>
               <a:t>Click to edit Master subtitle style</a:t>
             </a:r>
             <a:endParaRPr lang="en-US" dirty="0"/>
@@ -4016,7 +4016,7 @@
           <a:p>
             <a:fld id="{7FC05FF9-7702-4694-B7BE-6C366FD7AF47}" type="datetime1">
               <a:rPr lang="en-US" smtClean="0"/>
-              <a:t>3/2/2017</a:t>
+              <a:t>3/3/2017</a:t>
             </a:fld>
             <a:endParaRPr lang="en-US" dirty="0"/>
           </a:p>
@@ -4105,7 +4105,7 @@
           <a:lstStyle/>
           <a:p>
             <a:r>
-              <a:rPr lang="en-US" smtClean="0"/>
+              <a:rPr lang="en-US"/>
               <a:t>Click to edit Master title style</a:t>
             </a:r>
             <a:endParaRPr lang="en-US" dirty="0"/>
@@ -4134,35 +4134,35 @@
           <a:p>
             <a:pPr lvl="0"/>
             <a:r>
-              <a:rPr lang="en-US" smtClean="0"/>
+              <a:rPr lang="en-US"/>
               <a:t>Click to edit Master text styles</a:t>
             </a:r>
           </a:p>
           <a:p>
             <a:pPr lvl="1"/>
             <a:r>
-              <a:rPr lang="en-US" smtClean="0"/>
+              <a:rPr lang="en-US"/>
               <a:t>Second level</a:t>
             </a:r>
           </a:p>
           <a:p>
             <a:pPr lvl="2"/>
             <a:r>
-              <a:rPr lang="en-US" smtClean="0"/>
+              <a:rPr lang="en-US"/>
               <a:t>Third level</a:t>
             </a:r>
           </a:p>
           <a:p>
             <a:pPr lvl="3"/>
             <a:r>
-              <a:rPr lang="en-US" smtClean="0"/>
+              <a:rPr lang="en-US"/>
               <a:t>Fourth level</a:t>
             </a:r>
           </a:p>
           <a:p>
             <a:pPr lvl="4"/>
             <a:r>
-              <a:rPr lang="en-US" smtClean="0"/>
+              <a:rPr lang="en-US"/>
               <a:t>Fifth level</a:t>
             </a:r>
             <a:endParaRPr lang="en-US" dirty="0"/>
@@ -4191,35 +4191,35 @@
           <a:p>
             <a:pPr lvl="0"/>
             <a:r>
-              <a:rPr lang="en-US" smtClean="0"/>
+              <a:rPr lang="en-US"/>
               <a:t>Click to edit Master text styles</a:t>
             </a:r>
           </a:p>
           <a:p>
             <a:pPr lvl="1"/>
             <a:r>
-              <a:rPr lang="en-US" smtClean="0"/>
+              <a:rPr lang="en-US"/>
               <a:t>Second level</a:t>
             </a:r>
           </a:p>
           <a:p>
             <a:pPr lvl="2"/>
             <a:r>
-              <a:rPr lang="en-US" smtClean="0"/>
+              <a:rPr lang="en-US"/>
               <a:t>Third level</a:t>
             </a:r>
           </a:p>
           <a:p>
             <a:pPr lvl="3"/>
             <a:r>
-              <a:rPr lang="en-US" smtClean="0"/>
+              <a:rPr lang="en-US"/>
               <a:t>Fourth level</a:t>
             </a:r>
           </a:p>
           <a:p>
             <a:pPr lvl="4"/>
             <a:r>
-              <a:rPr lang="en-US" smtClean="0"/>
+              <a:rPr lang="en-US"/>
               <a:t>Fifth level</a:t>
             </a:r>
             <a:endParaRPr lang="en-US" dirty="0"/>
@@ -4243,7 +4243,7 @@
           <a:p>
             <a:fld id="{928D5C81-94B6-49DA-8154-12C9B7434181}" type="datetime1">
               <a:rPr lang="en-US" smtClean="0"/>
-              <a:t>3/2/2017</a:t>
+              <a:t>3/3/2017</a:t>
             </a:fld>
             <a:endParaRPr lang="en-US" dirty="0"/>
           </a:p>
@@ -4337,7 +4337,7 @@
           <a:lstStyle/>
           <a:p>
             <a:r>
-              <a:rPr lang="en-US" smtClean="0"/>
+              <a:rPr lang="en-US"/>
               <a:t>Click to edit Master title style</a:t>
             </a:r>
             <a:endParaRPr lang="en-US" dirty="0"/>
@@ -4430,7 +4430,7 @@
           <a:p>
             <a:pPr lvl="0"/>
             <a:r>
-              <a:rPr lang="en-US" smtClean="0"/>
+              <a:rPr lang="en-US"/>
               <a:t>Click to edit Master text styles</a:t>
             </a:r>
           </a:p>
@@ -4458,35 +4458,35 @@
           <a:p>
             <a:pPr lvl="0"/>
             <a:r>
-              <a:rPr lang="en-US" smtClean="0"/>
+              <a:rPr lang="en-US"/>
               <a:t>Click to edit Master text styles</a:t>
             </a:r>
           </a:p>
           <a:p>
             <a:pPr lvl="1"/>
             <a:r>
-              <a:rPr lang="en-US" smtClean="0"/>
+              <a:rPr lang="en-US"/>
               <a:t>Second level</a:t>
             </a:r>
           </a:p>
           <a:p>
             <a:pPr lvl="2"/>
             <a:r>
-              <a:rPr lang="en-US" smtClean="0"/>
+              <a:rPr lang="en-US"/>
               <a:t>Third level</a:t>
             </a:r>
           </a:p>
           <a:p>
             <a:pPr lvl="3"/>
             <a:r>
-              <a:rPr lang="en-US" smtClean="0"/>
+              <a:rPr lang="en-US"/>
               <a:t>Fourth level</a:t>
             </a:r>
           </a:p>
           <a:p>
             <a:pPr lvl="4"/>
             <a:r>
-              <a:rPr lang="en-US" smtClean="0"/>
+              <a:rPr lang="en-US"/>
               <a:t>Fifth level</a:t>
             </a:r>
             <a:endParaRPr lang="en-US" dirty="0"/>
@@ -4551,7 +4551,7 @@
               <a:buNone/>
             </a:pPr>
             <a:r>
-              <a:rPr lang="en-US" smtClean="0"/>
+              <a:rPr lang="en-US"/>
               <a:t>Click to edit Master text styles</a:t>
             </a:r>
           </a:p>
@@ -4579,35 +4579,35 @@
           <a:p>
             <a:pPr lvl="0"/>
             <a:r>
-              <a:rPr lang="en-US" smtClean="0"/>
+              <a:rPr lang="en-US"/>
               <a:t>Click to edit Master text styles</a:t>
             </a:r>
           </a:p>
           <a:p>
             <a:pPr lvl="1"/>
             <a:r>
-              <a:rPr lang="en-US" smtClean="0"/>
+              <a:rPr lang="en-US"/>
               <a:t>Second level</a:t>
             </a:r>
           </a:p>
           <a:p>
             <a:pPr lvl="2"/>
             <a:r>
-              <a:rPr lang="en-US" smtClean="0"/>
+              <a:rPr lang="en-US"/>
               <a:t>Third level</a:t>
             </a:r>
           </a:p>
           <a:p>
             <a:pPr lvl="3"/>
             <a:r>
-              <a:rPr lang="en-US" smtClean="0"/>
+              <a:rPr lang="en-US"/>
               <a:t>Fourth level</a:t>
             </a:r>
           </a:p>
           <a:p>
             <a:pPr lvl="4"/>
             <a:r>
-              <a:rPr lang="en-US" smtClean="0"/>
+              <a:rPr lang="en-US"/>
               <a:t>Fifth level</a:t>
             </a:r>
             <a:endParaRPr lang="en-US" dirty="0"/>
@@ -4631,7 +4631,7 @@
           <a:p>
             <a:fld id="{DF912104-8B07-4B1F-9048-B25E2B8CDB1D}" type="datetime1">
               <a:rPr lang="en-US" smtClean="0"/>
-              <a:t>3/2/2017</a:t>
+              <a:t>3/3/2017</a:t>
             </a:fld>
             <a:endParaRPr lang="en-US" dirty="0"/>
           </a:p>
@@ -4720,7 +4720,7 @@
           <a:lstStyle/>
           <a:p>
             <a:r>
-              <a:rPr lang="en-US" smtClean="0"/>
+              <a:rPr lang="en-US"/>
               <a:t>Click to edit Master title style</a:t>
             </a:r>
             <a:endParaRPr lang="en-US" dirty="0"/>
@@ -4744,7 +4744,7 @@
           <a:p>
             <a:fld id="{5FB1462E-14FD-4D9B-9A5E-38396CD1FE03}" type="datetime1">
               <a:rPr lang="en-US" smtClean="0"/>
-              <a:t>3/2/2017</a:t>
+              <a:t>3/3/2017</a:t>
             </a:fld>
             <a:endParaRPr lang="en-US" dirty="0"/>
           </a:p>
@@ -4834,7 +4834,7 @@
           <a:p>
             <a:fld id="{E5A2C802-07A6-4724-BAF5-89084BB5CE93}" type="datetime1">
               <a:rPr lang="en-US" smtClean="0"/>
-              <a:t>3/2/2017</a:t>
+              <a:t>3/3/2017</a:t>
             </a:fld>
             <a:endParaRPr lang="en-US" dirty="0"/>
           </a:p>
@@ -4932,7 +4932,7 @@
           </a:lstStyle>
           <a:p>
             <a:r>
-              <a:rPr lang="en-US" smtClean="0"/>
+              <a:rPr lang="en-US"/>
               <a:t>Click to edit Master title style</a:t>
             </a:r>
             <a:endParaRPr lang="en-US" dirty="0"/>
@@ -4961,35 +4961,35 @@
           <a:p>
             <a:pPr lvl="0"/>
             <a:r>
-              <a:rPr lang="en-US" smtClean="0"/>
+              <a:rPr lang="en-US"/>
               <a:t>Click to edit Master text styles</a:t>
             </a:r>
           </a:p>
           <a:p>
             <a:pPr lvl="1"/>
             <a:r>
-              <a:rPr lang="en-US" smtClean="0"/>
+              <a:rPr lang="en-US"/>
               <a:t>Second level</a:t>
             </a:r>
           </a:p>
           <a:p>
             <a:pPr lvl="2"/>
             <a:r>
-              <a:rPr lang="en-US" smtClean="0"/>
+              <a:rPr lang="en-US"/>
               <a:t>Third level</a:t>
             </a:r>
           </a:p>
           <a:p>
             <a:pPr lvl="3"/>
             <a:r>
-              <a:rPr lang="en-US" smtClean="0"/>
+              <a:rPr lang="en-US"/>
               <a:t>Fourth level</a:t>
             </a:r>
           </a:p>
           <a:p>
             <a:pPr lvl="4"/>
             <a:r>
-              <a:rPr lang="en-US" smtClean="0"/>
+              <a:rPr lang="en-US"/>
               <a:t>Fifth level</a:t>
             </a:r>
             <a:endParaRPr lang="en-US" dirty="0"/>
@@ -5079,7 +5079,7 @@
           <a:p>
             <a:pPr lvl="0"/>
             <a:r>
-              <a:rPr lang="en-US" smtClean="0"/>
+              <a:rPr lang="en-US"/>
               <a:t>Click to edit Master text styles</a:t>
             </a:r>
           </a:p>
@@ -5102,7 +5102,7 @@
           <a:p>
             <a:fld id="{0D1BC3AD-0895-46D4-A7E4-DF9DED95C0A9}" type="datetime1">
               <a:rPr lang="en-US" smtClean="0"/>
-              <a:t>3/2/2017</a:t>
+              <a:t>3/3/2017</a:t>
             </a:fld>
             <a:endParaRPr lang="en-US" dirty="0"/>
           </a:p>
@@ -5200,7 +5200,7 @@
           </a:lstStyle>
           <a:p>
             <a:r>
-              <a:rPr lang="en-US" smtClean="0"/>
+              <a:rPr lang="en-US"/>
               <a:t>Click to edit Master title style</a:t>
             </a:r>
             <a:endParaRPr lang="en-US" dirty="0"/>
@@ -5265,7 +5265,7 @@
           </a:lstStyle>
           <a:p>
             <a:r>
-              <a:rPr lang="en-US" smtClean="0"/>
+              <a:rPr lang="en-US"/>
               <a:t>Click icon to add picture</a:t>
             </a:r>
             <a:endParaRPr lang="en-US" dirty="0"/>
@@ -5355,7 +5355,7 @@
           <a:p>
             <a:pPr lvl="0"/>
             <a:r>
-              <a:rPr lang="en-US" smtClean="0"/>
+              <a:rPr lang="en-US"/>
               <a:t>Click to edit Master text styles</a:t>
             </a:r>
           </a:p>
@@ -5378,7 +5378,7 @@
           <a:p>
             <a:fld id="{8588336A-6819-4CF4-AEFA-80132A3FDD8B}" type="datetime1">
               <a:rPr lang="en-US" smtClean="0"/>
-              <a:t>3/2/2017</a:t>
+              <a:t>3/3/2017</a:t>
             </a:fld>
             <a:endParaRPr lang="en-US" dirty="0"/>
           </a:p>
@@ -5491,7 +5491,7 @@
           <a:lstStyle/>
           <a:p>
             <a:r>
-              <a:rPr lang="en-US" smtClean="0"/>
+              <a:rPr lang="en-US"/>
               <a:t>Click to edit Master title style</a:t>
             </a:r>
             <a:endParaRPr lang="en-US" dirty="0"/>
@@ -5525,35 +5525,35 @@
           <a:p>
             <a:pPr lvl="0"/>
             <a:r>
-              <a:rPr lang="en-US" smtClean="0"/>
+              <a:rPr lang="en-US"/>
               <a:t>Click to edit Master text styles</a:t>
             </a:r>
           </a:p>
           <a:p>
             <a:pPr lvl="1"/>
             <a:r>
-              <a:rPr lang="en-US" smtClean="0"/>
+              <a:rPr lang="en-US"/>
               <a:t>Second level</a:t>
             </a:r>
           </a:p>
           <a:p>
             <a:pPr lvl="2"/>
             <a:r>
-              <a:rPr lang="en-US" smtClean="0"/>
+              <a:rPr lang="en-US"/>
               <a:t>Third level</a:t>
             </a:r>
           </a:p>
           <a:p>
             <a:pPr lvl="3"/>
             <a:r>
-              <a:rPr lang="en-US" smtClean="0"/>
+              <a:rPr lang="en-US"/>
               <a:t>Fourth level</a:t>
             </a:r>
           </a:p>
           <a:p>
             <a:pPr lvl="4"/>
             <a:r>
-              <a:rPr lang="en-US" smtClean="0"/>
+              <a:rPr lang="en-US"/>
               <a:t>Fifth level</a:t>
             </a:r>
             <a:endParaRPr lang="en-US" dirty="0"/>
@@ -5613,7 +5613,7 @@
           <a:p>
             <a:fld id="{66E851C9-2478-4BD2-BE4D-474F5A07A30A}" type="datetime1">
               <a:rPr lang="en-US" smtClean="0"/>
-              <a:t>3/2/2017</a:t>
+              <a:t>3/3/2017</a:t>
             </a:fld>
             <a:endParaRPr lang="en-US" dirty="0"/>
           </a:p>
@@ -6217,11 +6217,11 @@
           <a:lstStyle/>
           <a:p>
             <a:r>
-              <a:rPr lang="de-CH" dirty="0" smtClean="0"/>
+              <a:rPr lang="de-CH" dirty="0"/>
               <a:t>Team Blue | </a:t>
             </a:r>
             <a:r>
-              <a:rPr lang="en-US" dirty="0" smtClean="0"/>
+              <a:rPr lang="en-US" dirty="0"/>
               <a:t>28.02.2017</a:t>
             </a:r>
             <a:endParaRPr lang="de-CH" dirty="0"/>
@@ -6298,11 +6298,11 @@
           <a:lstStyle/>
           <a:p>
             <a:r>
-              <a:rPr lang="de-CH" dirty="0" smtClean="0"/>
+              <a:rPr lang="de-CH" dirty="0"/>
               <a:t>Target </a:t>
             </a:r>
             <a:r>
-              <a:rPr lang="de-CH" dirty="0" err="1" smtClean="0"/>
+              <a:rPr lang="de-CH" dirty="0" err="1"/>
               <a:t>users</a:t>
             </a:r>
             <a:endParaRPr lang="de-CH" dirty="0"/>
@@ -6359,21 +6359,13 @@
             <a:pPr lvl="0"/>
             <a:r>
               <a:rPr lang="en-US" dirty="0"/>
-              <a:t>Medical records </a:t>
-            </a:r>
-            <a:r>
-              <a:rPr lang="en-US" dirty="0" smtClean="0"/>
-              <a:t>staff</a:t>
+              <a:t>Medical records staff</a:t>
             </a:r>
           </a:p>
           <a:p>
             <a:r>
               <a:rPr lang="en-US" dirty="0"/>
-              <a:t>(Patients, Management</a:t>
-            </a:r>
-            <a:r>
-              <a:rPr lang="en-US" dirty="0" smtClean="0"/>
-              <a:t>)</a:t>
+              <a:t>(Patients, Management)</a:t>
             </a:r>
             <a:endParaRPr lang="de-CH" dirty="0"/>
           </a:p>
@@ -6448,11 +6440,11 @@
           <a:lstStyle/>
           <a:p>
             <a:r>
-              <a:rPr lang="de-CH" dirty="0" smtClean="0"/>
+              <a:rPr lang="de-CH" dirty="0"/>
               <a:t>Key </a:t>
             </a:r>
             <a:r>
-              <a:rPr lang="de-CH" dirty="0" err="1" smtClean="0"/>
+              <a:rPr lang="de-CH" dirty="0" err="1"/>
               <a:t>features</a:t>
             </a:r>
             <a:endParaRPr lang="de-CH" dirty="0"/>
@@ -6477,7 +6469,7 @@
             <a:pPr lvl="0"/>
             <a:r>
               <a:rPr lang="en-US" dirty="0"/>
-              <a:t>Doctor/Nurses/Clinical staff</a:t>
+              <a:t>Doctor/Nurses</a:t>
             </a:r>
             <a:endParaRPr lang="de-CH" dirty="0"/>
           </a:p>
@@ -6641,7 +6633,7 @@
             <a:pPr lvl="1"/>
             <a:r>
               <a:rPr lang="en-US" dirty="0"/>
-              <a:t>Calendar (Date management, Contact details)</a:t>
+              <a:t>Calendar (Appointments, Contact details)</a:t>
             </a:r>
             <a:endParaRPr lang="de-CH" dirty="0"/>
           </a:p>
@@ -6778,34 +6770,26 @@
             <a:pPr lvl="0"/>
             <a:r>
               <a:rPr lang="en-US" dirty="0"/>
-              <a:t>Management (</a:t>
-            </a:r>
-            <a:r>
-              <a:rPr lang="en-US" dirty="0" smtClean="0"/>
-              <a:t>no </a:t>
-            </a:r>
-            <a:r>
-              <a:rPr lang="en-US" dirty="0"/>
-              <a:t>direct access)</a:t>
+              <a:t>Management (no direct access)</a:t>
             </a:r>
             <a:endParaRPr lang="de-CH" dirty="0"/>
           </a:p>
           <a:p>
             <a:pPr lvl="1"/>
             <a:r>
-              <a:rPr lang="de-CH" dirty="0" smtClean="0"/>
+              <a:rPr lang="de-CH" dirty="0"/>
               <a:t>Financial </a:t>
             </a:r>
             <a:r>
-              <a:rPr lang="de-CH" dirty="0" err="1" smtClean="0"/>
+              <a:rPr lang="de-CH" dirty="0" err="1"/>
               <a:t>and</a:t>
             </a:r>
             <a:r>
-              <a:rPr lang="de-CH" dirty="0" smtClean="0"/>
+              <a:rPr lang="de-CH" dirty="0"/>
               <a:t> legal </a:t>
             </a:r>
             <a:r>
-              <a:rPr lang="de-CH" dirty="0" err="1" smtClean="0"/>
+              <a:rPr lang="de-CH" dirty="0" err="1"/>
               <a:t>reports</a:t>
             </a:r>
             <a:endParaRPr lang="de-CH" dirty="0"/>
@@ -7101,11 +7085,7 @@
           <a:p>
             <a:r>
               <a:rPr lang="en-US" dirty="0"/>
-              <a:t>Critical success </a:t>
-            </a:r>
-            <a:r>
-              <a:rPr lang="en-US" dirty="0" smtClean="0"/>
-              <a:t>factors</a:t>
+              <a:t>Critical success factors</a:t>
             </a:r>
             <a:endParaRPr lang="de-CH" dirty="0"/>
           </a:p>
